--- a/SmartCage – 반려동물 임시 보관 IoT 시스템/구성도/구성도 v1.0.0.pptx
+++ b/SmartCage – 반려동물 임시 보관 IoT 시스템/구성도/구성도 v1.0.0.pptx
@@ -261,7 +261,7 @@
           <a:p>
             <a:fld id="{28E6FF38-C7FE-46A6-A424-55AD5FF44F9C}" type="datetimeFigureOut">
               <a:rPr lang="ko-KR" altLang="en-US" smtClean="0"/>
-              <a:t>2025-05-28</a:t>
+              <a:t>2025-05-29</a:t>
             </a:fld>
             <a:endParaRPr lang="ko-KR" altLang="en-US"/>
           </a:p>
@@ -459,7 +459,7 @@
           <a:p>
             <a:fld id="{28E6FF38-C7FE-46A6-A424-55AD5FF44F9C}" type="datetimeFigureOut">
               <a:rPr lang="ko-KR" altLang="en-US" smtClean="0"/>
-              <a:t>2025-05-28</a:t>
+              <a:t>2025-05-29</a:t>
             </a:fld>
             <a:endParaRPr lang="ko-KR" altLang="en-US"/>
           </a:p>
@@ -667,7 +667,7 @@
           <a:p>
             <a:fld id="{28E6FF38-C7FE-46A6-A424-55AD5FF44F9C}" type="datetimeFigureOut">
               <a:rPr lang="ko-KR" altLang="en-US" smtClean="0"/>
-              <a:t>2025-05-28</a:t>
+              <a:t>2025-05-29</a:t>
             </a:fld>
             <a:endParaRPr lang="ko-KR" altLang="en-US"/>
           </a:p>
@@ -865,7 +865,7 @@
           <a:p>
             <a:fld id="{28E6FF38-C7FE-46A6-A424-55AD5FF44F9C}" type="datetimeFigureOut">
               <a:rPr lang="ko-KR" altLang="en-US" smtClean="0"/>
-              <a:t>2025-05-28</a:t>
+              <a:t>2025-05-29</a:t>
             </a:fld>
             <a:endParaRPr lang="ko-KR" altLang="en-US"/>
           </a:p>
@@ -1140,7 +1140,7 @@
           <a:p>
             <a:fld id="{28E6FF38-C7FE-46A6-A424-55AD5FF44F9C}" type="datetimeFigureOut">
               <a:rPr lang="ko-KR" altLang="en-US" smtClean="0"/>
-              <a:t>2025-05-28</a:t>
+              <a:t>2025-05-29</a:t>
             </a:fld>
             <a:endParaRPr lang="ko-KR" altLang="en-US"/>
           </a:p>
@@ -1405,7 +1405,7 @@
           <a:p>
             <a:fld id="{28E6FF38-C7FE-46A6-A424-55AD5FF44F9C}" type="datetimeFigureOut">
               <a:rPr lang="ko-KR" altLang="en-US" smtClean="0"/>
-              <a:t>2025-05-28</a:t>
+              <a:t>2025-05-29</a:t>
             </a:fld>
             <a:endParaRPr lang="ko-KR" altLang="en-US"/>
           </a:p>
@@ -1817,7 +1817,7 @@
           <a:p>
             <a:fld id="{28E6FF38-C7FE-46A6-A424-55AD5FF44F9C}" type="datetimeFigureOut">
               <a:rPr lang="ko-KR" altLang="en-US" smtClean="0"/>
-              <a:t>2025-05-28</a:t>
+              <a:t>2025-05-29</a:t>
             </a:fld>
             <a:endParaRPr lang="ko-KR" altLang="en-US"/>
           </a:p>
@@ -1958,7 +1958,7 @@
           <a:p>
             <a:fld id="{28E6FF38-C7FE-46A6-A424-55AD5FF44F9C}" type="datetimeFigureOut">
               <a:rPr lang="ko-KR" altLang="en-US" smtClean="0"/>
-              <a:t>2025-05-28</a:t>
+              <a:t>2025-05-29</a:t>
             </a:fld>
             <a:endParaRPr lang="ko-KR" altLang="en-US"/>
           </a:p>
@@ -2071,7 +2071,7 @@
           <a:p>
             <a:fld id="{28E6FF38-C7FE-46A6-A424-55AD5FF44F9C}" type="datetimeFigureOut">
               <a:rPr lang="ko-KR" altLang="en-US" smtClean="0"/>
-              <a:t>2025-05-28</a:t>
+              <a:t>2025-05-29</a:t>
             </a:fld>
             <a:endParaRPr lang="ko-KR" altLang="en-US"/>
           </a:p>
@@ -2382,7 +2382,7 @@
           <a:p>
             <a:fld id="{28E6FF38-C7FE-46A6-A424-55AD5FF44F9C}" type="datetimeFigureOut">
               <a:rPr lang="ko-KR" altLang="en-US" smtClean="0"/>
-              <a:t>2025-05-28</a:t>
+              <a:t>2025-05-29</a:t>
             </a:fld>
             <a:endParaRPr lang="ko-KR" altLang="en-US"/>
           </a:p>
@@ -2670,7 +2670,7 @@
           <a:p>
             <a:fld id="{28E6FF38-C7FE-46A6-A424-55AD5FF44F9C}" type="datetimeFigureOut">
               <a:rPr lang="ko-KR" altLang="en-US" smtClean="0"/>
-              <a:t>2025-05-28</a:t>
+              <a:t>2025-05-29</a:t>
             </a:fld>
             <a:endParaRPr lang="ko-KR" altLang="en-US"/>
           </a:p>
@@ -2911,7 +2911,7 @@
           <a:p>
             <a:fld id="{28E6FF38-C7FE-46A6-A424-55AD5FF44F9C}" type="datetimeFigureOut">
               <a:rPr lang="ko-KR" altLang="en-US" smtClean="0"/>
-              <a:t>2025-05-28</a:t>
+              <a:t>2025-05-29</a:t>
             </a:fld>
             <a:endParaRPr lang="ko-KR" altLang="en-US"/>
           </a:p>
@@ -4452,7 +4452,7 @@
         <p:spPr>
           <a:xfrm>
             <a:off x="307833" y="1153154"/>
-            <a:ext cx="4226170" cy="4921696"/>
+            <a:ext cx="4226170" cy="4144925"/>
           </a:xfrm>
           <a:prstGeom prst="rect">
             <a:avLst/>
@@ -4668,7 +4668,7 @@
         </p:nvGrpSpPr>
         <p:grpSpPr>
           <a:xfrm>
-            <a:off x="3299686" y="3935755"/>
+            <a:off x="2525634" y="3935755"/>
             <a:ext cx="1085742" cy="1083401"/>
             <a:chOff x="2464034" y="3848059"/>
             <a:chExt cx="1085742" cy="1083401"/>
@@ -4769,10 +4769,10 @@
       </p:grpSp>
       <p:grpSp>
         <p:nvGrpSpPr>
-          <p:cNvPr id="34" name="그룹 33">
-            <a:extLst>
-              <a:ext uri="{FF2B5EF4-FFF2-40B4-BE49-F238E27FC236}">
-                <a16:creationId xmlns:a16="http://schemas.microsoft.com/office/drawing/2014/main" id="{E93CAF55-15BF-35B3-7ABE-E846AE90B15E}"/>
+          <p:cNvPr id="9" name="그룹 8">
+            <a:extLst>
+              <a:ext uri="{FF2B5EF4-FFF2-40B4-BE49-F238E27FC236}">
+                <a16:creationId xmlns:a16="http://schemas.microsoft.com/office/drawing/2014/main" id="{84526E12-A2E2-3F98-1AA9-F83960D443DB}"/>
               </a:ext>
             </a:extLst>
           </p:cNvPr>
@@ -4781,10 +4781,10 @@
         </p:nvGrpSpPr>
         <p:grpSpPr>
           <a:xfrm>
-            <a:off x="1844477" y="4947338"/>
-            <a:ext cx="1152881" cy="1035151"/>
-            <a:chOff x="4190340" y="4801364"/>
-            <a:chExt cx="1152881" cy="1035151"/>
+            <a:off x="1247769" y="3888298"/>
+            <a:ext cx="1152881" cy="1130858"/>
+            <a:chOff x="519125" y="3888298"/>
+            <a:chExt cx="1152881" cy="1130858"/>
           </a:xfrm>
         </p:grpSpPr>
         <p:pic>
@@ -4836,7 +4836,7 @@
           </p:blipFill>
           <p:spPr>
             <a:xfrm rot="18911952">
-              <a:off x="4271677" y="4801364"/>
+              <a:off x="600462" y="3888298"/>
               <a:ext cx="990198" cy="979106"/>
             </a:xfrm>
             <a:prstGeom prst="rect">
@@ -4858,7 +4858,7 @@
           </p:nvSpPr>
           <p:spPr>
             <a:xfrm>
-              <a:off x="4190340" y="5497961"/>
+              <a:off x="519125" y="4680602"/>
               <a:ext cx="1152881" cy="338554"/>
             </a:xfrm>
             <a:prstGeom prst="rect">
@@ -5146,207 +5146,6 @@
           </p:txBody>
         </p:sp>
       </p:grpSp>
-      <p:grpSp>
-        <p:nvGrpSpPr>
-          <p:cNvPr id="28" name="그룹 27">
-            <a:extLst>
-              <a:ext uri="{FF2B5EF4-FFF2-40B4-BE49-F238E27FC236}">
-                <a16:creationId xmlns:a16="http://schemas.microsoft.com/office/drawing/2014/main" id="{9E6D108C-A07E-0D9E-F556-7C362430DC81}"/>
-              </a:ext>
-            </a:extLst>
-          </p:cNvPr>
-          <p:cNvGrpSpPr/>
-          <p:nvPr/>
-        </p:nvGrpSpPr>
-        <p:grpSpPr>
-          <a:xfrm>
-            <a:off x="635519" y="3893752"/>
-            <a:ext cx="944489" cy="1127178"/>
-            <a:chOff x="484577" y="3806056"/>
-            <a:chExt cx="944489" cy="1127178"/>
-          </a:xfrm>
-        </p:grpSpPr>
-        <p:pic>
-          <p:nvPicPr>
-            <p:cNvPr id="23" name="그림 22">
-              <a:extLst>
-                <a:ext uri="{FF2B5EF4-FFF2-40B4-BE49-F238E27FC236}">
-                  <a16:creationId xmlns:a16="http://schemas.microsoft.com/office/drawing/2014/main" id="{B2A2AE31-650C-6DDA-A634-69720FC1875B}"/>
-                </a:ext>
-              </a:extLst>
-            </p:cNvPr>
-            <p:cNvPicPr>
-              <a:picLocks noChangeAspect="1"/>
-            </p:cNvPicPr>
-            <p:nvPr/>
-          </p:nvPicPr>
-          <p:blipFill>
-            <a:blip r:embed="rId15">
-              <a:extLst>
-                <a:ext uri="{BEBA8EAE-BF5A-486C-A8C5-ECC9F3942E4B}">
-                  <a14:imgProps xmlns:a14="http://schemas.microsoft.com/office/drawing/2010/main">
-                    <a14:imgLayer r:embed="rId16">
-                      <a14:imgEffect>
-                        <a14:backgroundRemoval t="10000" b="90000" l="10000" r="90000"/>
-                      </a14:imgEffect>
-                    </a14:imgLayer>
-                  </a14:imgProps>
-                </a:ext>
-              </a:extLst>
-            </a:blip>
-            <a:srcRect l="25636" t="25325" r="24417" b="15580"/>
-            <a:stretch/>
-          </p:blipFill>
-          <p:spPr>
-            <a:xfrm>
-              <a:off x="629611" y="3806056"/>
-              <a:ext cx="666554" cy="788624"/>
-            </a:xfrm>
-            <a:prstGeom prst="rect">
-              <a:avLst/>
-            </a:prstGeom>
-          </p:spPr>
-        </p:pic>
-        <p:sp>
-          <p:nvSpPr>
-            <p:cNvPr id="24" name="TextBox 23">
-              <a:extLst>
-                <a:ext uri="{FF2B5EF4-FFF2-40B4-BE49-F238E27FC236}">
-                  <a16:creationId xmlns:a16="http://schemas.microsoft.com/office/drawing/2014/main" id="{E47537CD-846F-DFF3-E21A-4CAA49A96578}"/>
-                </a:ext>
-              </a:extLst>
-            </p:cNvPr>
-            <p:cNvSpPr txBox="1"/>
-            <p:nvPr/>
-          </p:nvSpPr>
-          <p:spPr>
-            <a:xfrm>
-              <a:off x="484577" y="4594680"/>
-              <a:ext cx="944489" cy="338554"/>
-            </a:xfrm>
-            <a:prstGeom prst="rect">
-              <a:avLst/>
-            </a:prstGeom>
-            <a:solidFill>
-              <a:schemeClr val="bg1"/>
-            </a:solidFill>
-          </p:spPr>
-          <p:txBody>
-            <a:bodyPr wrap="none" rtlCol="0">
-              <a:spAutoFit/>
-            </a:bodyPr>
-            <a:lstStyle/>
-            <a:p>
-              <a:pPr algn="ctr"/>
-              <a:r>
-                <a:rPr lang="en-US" altLang="ko-KR" sz="1600" dirty="0"/>
-                <a:t>DC</a:t>
-              </a:r>
-              <a:r>
-                <a:rPr lang="ko-KR" altLang="en-US" sz="1600" dirty="0"/>
-                <a:t> 모터</a:t>
-              </a:r>
-            </a:p>
-          </p:txBody>
-        </p:sp>
-      </p:grpSp>
-      <p:grpSp>
-        <p:nvGrpSpPr>
-          <p:cNvPr id="31" name="그룹 30">
-            <a:extLst>
-              <a:ext uri="{FF2B5EF4-FFF2-40B4-BE49-F238E27FC236}">
-                <a16:creationId xmlns:a16="http://schemas.microsoft.com/office/drawing/2014/main" id="{469185CC-12E5-B2D6-5056-83C71B3DF711}"/>
-              </a:ext>
-            </a:extLst>
-          </p:cNvPr>
-          <p:cNvGrpSpPr/>
-          <p:nvPr/>
-        </p:nvGrpSpPr>
-        <p:grpSpPr>
-          <a:xfrm>
-            <a:off x="1760873" y="4073989"/>
-            <a:ext cx="1192418" cy="945167"/>
-            <a:chOff x="1609931" y="3986293"/>
-            <a:chExt cx="1192418" cy="945167"/>
-          </a:xfrm>
-        </p:grpSpPr>
-        <p:pic>
-          <p:nvPicPr>
-            <p:cNvPr id="14" name="그림 73" descr="C:/Users/jaler/AppData/Roaming/PolarisOffice/ETemp/5516_15437576/fImage437431895705.png">
-              <a:extLst>
-                <a:ext uri="{FF2B5EF4-FFF2-40B4-BE49-F238E27FC236}">
-                  <a16:creationId xmlns:a16="http://schemas.microsoft.com/office/drawing/2014/main" id="{314E5D24-6CD3-67D5-6F73-95922BBE9088}"/>
-                </a:ext>
-              </a:extLst>
-            </p:cNvPr>
-            <p:cNvPicPr>
-              <a:picLocks noChangeAspect="1"/>
-            </p:cNvPicPr>
-            <p:nvPr/>
-          </p:nvPicPr>
-          <p:blipFill rotWithShape="1">
-            <a:blip r:embed="rId17" cstate="print">
-              <a:extLst>
-                <a:ext uri="{28A0092B-C50C-407E-A947-70E740481C1C}">
-                  <a14:useLocalDpi xmlns:a14="http://schemas.microsoft.com/office/drawing/2010/main" val="0"/>
-                </a:ext>
-              </a:extLst>
-            </a:blip>
-            <a:stretch>
-              <a:fillRect/>
-            </a:stretch>
-          </p:blipFill>
-          <p:spPr>
-            <a:xfrm>
-              <a:off x="1609931" y="3986293"/>
-              <a:ext cx="1192418" cy="504041"/>
-            </a:xfrm>
-            <a:prstGeom prst="rect">
-              <a:avLst/>
-            </a:prstGeom>
-            <a:noFill/>
-          </p:spPr>
-        </p:pic>
-        <p:sp>
-          <p:nvSpPr>
-            <p:cNvPr id="37" name="TextBox 36">
-              <a:extLst>
-                <a:ext uri="{FF2B5EF4-FFF2-40B4-BE49-F238E27FC236}">
-                  <a16:creationId xmlns:a16="http://schemas.microsoft.com/office/drawing/2014/main" id="{FAF6D608-3792-459A-6341-461AA701E7C3}"/>
-                </a:ext>
-              </a:extLst>
-            </p:cNvPr>
-            <p:cNvSpPr txBox="1"/>
-            <p:nvPr/>
-          </p:nvSpPr>
-          <p:spPr>
-            <a:xfrm>
-              <a:off x="1929814" y="4592906"/>
-              <a:ext cx="552652" cy="338554"/>
-            </a:xfrm>
-            <a:prstGeom prst="rect">
-              <a:avLst/>
-            </a:prstGeom>
-            <a:solidFill>
-              <a:schemeClr val="bg1"/>
-            </a:solidFill>
-          </p:spPr>
-          <p:txBody>
-            <a:bodyPr wrap="square" rtlCol="0">
-              <a:spAutoFit/>
-            </a:bodyPr>
-            <a:lstStyle/>
-            <a:p>
-              <a:pPr algn="ctr"/>
-              <a:r>
-                <a:rPr lang="en-US" altLang="ko-KR" sz="1600" dirty="0"/>
-                <a:t>LCD</a:t>
-              </a:r>
-              <a:endParaRPr lang="ko-KR" altLang="en-US" sz="1600" dirty="0"/>
-            </a:p>
-          </p:txBody>
-        </p:sp>
-      </p:grpSp>
       <p:sp>
         <p:nvSpPr>
           <p:cNvPr id="11" name="직사각형 10">
@@ -5414,10 +5213,10 @@
           <p:nvPr/>
         </p:nvPicPr>
         <p:blipFill>
-          <a:blip r:embed="rId18">
+          <a:blip r:embed="rId15">
             <a:extLst>
               <a:ext uri="{96DAC541-7B7A-43D3-8B79-37D633B846F1}">
-                <asvg:svgBlip xmlns:asvg="http://schemas.microsoft.com/office/drawing/2016/SVG/main" r:embed="rId19"/>
+                <asvg:svgBlip xmlns:asvg="http://schemas.microsoft.com/office/drawing/2016/SVG/main" r:embed="rId16"/>
               </a:ext>
             </a:extLst>
           </a:blip>
@@ -5496,10 +5295,10 @@
           <p:nvPr/>
         </p:nvPicPr>
         <p:blipFill>
-          <a:blip r:embed="rId20">
+          <a:blip r:embed="rId17">
             <a:extLst>
               <a:ext uri="{96DAC541-7B7A-43D3-8B79-37D633B846F1}">
-                <asvg:svgBlip xmlns:asvg="http://schemas.microsoft.com/office/drawing/2016/SVG/main" r:embed="rId21"/>
+                <asvg:svgBlip xmlns:asvg="http://schemas.microsoft.com/office/drawing/2016/SVG/main" r:embed="rId18"/>
               </a:ext>
             </a:extLst>
           </a:blip>
@@ -5569,7 +5368,7 @@
           <p:nvPr/>
         </p:nvPicPr>
         <p:blipFill rotWithShape="1">
-          <a:blip r:embed="rId22" cstate="print">
+          <a:blip r:embed="rId19" cstate="print">
             <a:extLst>
               <a:ext uri="{28A0092B-C50C-407E-A947-70E740481C1C}">
                 <a14:useLocalDpi xmlns:a14="http://schemas.microsoft.com/office/drawing/2010/main" val="0"/>
@@ -6047,11 +5846,11 @@
               <p:nvPr/>
             </p:nvPicPr>
             <p:blipFill>
-              <a:blip r:embed="rId23">
+              <a:blip r:embed="rId20">
                 <a:extLst>
                   <a:ext uri="{BEBA8EAE-BF5A-486C-A8C5-ECC9F3942E4B}">
                     <a14:imgProps xmlns:a14="http://schemas.microsoft.com/office/drawing/2010/main">
-                      <a14:imgLayer r:embed="rId24">
+                      <a14:imgLayer r:embed="rId21">
                         <a14:imgEffect>
                           <a14:backgroundRemoval t="10000" b="90000" l="7400" r="91600">
                             <a14:foregroundMark x1="91800" y1="35000" x2="91800" y2="35000"/>
@@ -6154,7 +5953,7 @@
               <p:nvPr/>
             </p:nvPicPr>
             <p:blipFill rotWithShape="1">
-              <a:blip r:embed="rId17" cstate="print">
+              <a:blip r:embed="rId22" cstate="print">
                 <a:extLst>
                   <a:ext uri="{28A0092B-C50C-407E-A947-70E740481C1C}">
                     <a14:useLocalDpi xmlns:a14="http://schemas.microsoft.com/office/drawing/2010/main" val="0"/>
@@ -6251,11 +6050,11 @@
               <p:nvPr/>
             </p:nvPicPr>
             <p:blipFill rotWithShape="1">
-              <a:blip r:embed="rId25" cstate="print">
+              <a:blip r:embed="rId23" cstate="print">
                 <a:extLst>
                   <a:ext uri="{BEBA8EAE-BF5A-486C-A8C5-ECC9F3942E4B}">
                     <a14:imgProps xmlns:a14="http://schemas.microsoft.com/office/drawing/2010/main">
-                      <a14:imgLayer r:embed="rId26">
+                      <a14:imgLayer r:embed="rId24">
                         <a14:imgEffect>
                           <a14:backgroundRemoval t="7771" b="98160" l="3212" r="97430">
                             <a14:foregroundMark x1="15418" y1="65440" x2="15418" y2="65440"/>
